--- a/Logo/Présentation1.pptx
+++ b/Logo/Présentation1.pptx
@@ -104,6 +104,11 @@
       </a:defRPr>
     </a:lvl9pPr>
   </p:defaultTextStyle>
+  <p:extLst>
+    <p:ext uri="{EFAFB233-063F-42B5-8137-9DF3F51BA10A}">
+      <p15:sldGuideLst xmlns:p15="http://schemas.microsoft.com/office/powerpoint/2012/main"/>
+    </p:ext>
+  </p:extLst>
 </p:presentation>
 </file>
 
@@ -256,7 +261,7 @@
           <a:p>
             <a:fld id="{9FDCF933-8579-4754-BABD-EF04059CF8BB}" type="datetimeFigureOut">
               <a:rPr lang="fr-CH" smtClean="0"/>
-              <a:t>19.09.2024</a:t>
+              <a:t>26.09.2024</a:t>
             </a:fld>
             <a:endParaRPr lang="fr-CH"/>
           </a:p>
@@ -456,7 +461,7 @@
           <a:p>
             <a:fld id="{9FDCF933-8579-4754-BABD-EF04059CF8BB}" type="datetimeFigureOut">
               <a:rPr lang="fr-CH" smtClean="0"/>
-              <a:t>19.09.2024</a:t>
+              <a:t>26.09.2024</a:t>
             </a:fld>
             <a:endParaRPr lang="fr-CH"/>
           </a:p>
@@ -666,7 +671,7 @@
           <a:p>
             <a:fld id="{9FDCF933-8579-4754-BABD-EF04059CF8BB}" type="datetimeFigureOut">
               <a:rPr lang="fr-CH" smtClean="0"/>
-              <a:t>19.09.2024</a:t>
+              <a:t>26.09.2024</a:t>
             </a:fld>
             <a:endParaRPr lang="fr-CH"/>
           </a:p>
@@ -866,7 +871,7 @@
           <a:p>
             <a:fld id="{9FDCF933-8579-4754-BABD-EF04059CF8BB}" type="datetimeFigureOut">
               <a:rPr lang="fr-CH" smtClean="0"/>
-              <a:t>19.09.2024</a:t>
+              <a:t>26.09.2024</a:t>
             </a:fld>
             <a:endParaRPr lang="fr-CH"/>
           </a:p>
@@ -1142,7 +1147,7 @@
           <a:p>
             <a:fld id="{9FDCF933-8579-4754-BABD-EF04059CF8BB}" type="datetimeFigureOut">
               <a:rPr lang="fr-CH" smtClean="0"/>
-              <a:t>19.09.2024</a:t>
+              <a:t>26.09.2024</a:t>
             </a:fld>
             <a:endParaRPr lang="fr-CH"/>
           </a:p>
@@ -1410,7 +1415,7 @@
           <a:p>
             <a:fld id="{9FDCF933-8579-4754-BABD-EF04059CF8BB}" type="datetimeFigureOut">
               <a:rPr lang="fr-CH" smtClean="0"/>
-              <a:t>19.09.2024</a:t>
+              <a:t>26.09.2024</a:t>
             </a:fld>
             <a:endParaRPr lang="fr-CH"/>
           </a:p>
@@ -1825,7 +1830,7 @@
           <a:p>
             <a:fld id="{9FDCF933-8579-4754-BABD-EF04059CF8BB}" type="datetimeFigureOut">
               <a:rPr lang="fr-CH" smtClean="0"/>
-              <a:t>19.09.2024</a:t>
+              <a:t>26.09.2024</a:t>
             </a:fld>
             <a:endParaRPr lang="fr-CH"/>
           </a:p>
@@ -1967,7 +1972,7 @@
           <a:p>
             <a:fld id="{9FDCF933-8579-4754-BABD-EF04059CF8BB}" type="datetimeFigureOut">
               <a:rPr lang="fr-CH" smtClean="0"/>
-              <a:t>19.09.2024</a:t>
+              <a:t>26.09.2024</a:t>
             </a:fld>
             <a:endParaRPr lang="fr-CH"/>
           </a:p>
@@ -2080,7 +2085,7 @@
           <a:p>
             <a:fld id="{9FDCF933-8579-4754-BABD-EF04059CF8BB}" type="datetimeFigureOut">
               <a:rPr lang="fr-CH" smtClean="0"/>
-              <a:t>19.09.2024</a:t>
+              <a:t>26.09.2024</a:t>
             </a:fld>
             <a:endParaRPr lang="fr-CH"/>
           </a:p>
@@ -2393,7 +2398,7 @@
           <a:p>
             <a:fld id="{9FDCF933-8579-4754-BABD-EF04059CF8BB}" type="datetimeFigureOut">
               <a:rPr lang="fr-CH" smtClean="0"/>
-              <a:t>19.09.2024</a:t>
+              <a:t>26.09.2024</a:t>
             </a:fld>
             <a:endParaRPr lang="fr-CH"/>
           </a:p>
@@ -2682,7 +2687,7 @@
           <a:p>
             <a:fld id="{9FDCF933-8579-4754-BABD-EF04059CF8BB}" type="datetimeFigureOut">
               <a:rPr lang="fr-CH" smtClean="0"/>
-              <a:t>19.09.2024</a:t>
+              <a:t>26.09.2024</a:t>
             </a:fld>
             <a:endParaRPr lang="fr-CH"/>
           </a:p>
@@ -2925,7 +2930,7 @@
           <a:p>
             <a:fld id="{9FDCF933-8579-4754-BABD-EF04059CF8BB}" type="datetimeFigureOut">
               <a:rPr lang="fr-CH" smtClean="0"/>
-              <a:t>19.09.2024</a:t>
+              <a:t>26.09.2024</a:t>
             </a:fld>
             <a:endParaRPr lang="fr-CH"/>
           </a:p>
@@ -3356,7 +3361,7 @@
         </p:nvSpPr>
         <p:spPr>
           <a:xfrm>
-            <a:off x="2290196" y="2659559"/>
+            <a:off x="2229236" y="2591360"/>
             <a:ext cx="4882391" cy="1323439"/>
           </a:xfrm>
           <a:prstGeom prst="rect">
@@ -3373,10 +3378,7 @@
             <a:r>
               <a:rPr lang="fr-FR" sz="8000" b="1" dirty="0" err="1">
                 <a:solidFill>
-                  <a:schemeClr val="accent5">
-                    <a:lumMod val="60000"/>
-                    <a:lumOff val="40000"/>
-                  </a:schemeClr>
+                  <a:srgbClr val="22628A"/>
                 </a:solidFill>
                 <a:latin typeface="Bauhaus 93" panose="04030905020B02020C02" pitchFamily="82" charset="0"/>
               </a:rPr>
@@ -3384,10 +3386,7 @@
             </a:r>
             <a:endParaRPr lang="fr-CH" sz="8000" b="1" dirty="0">
               <a:solidFill>
-                <a:schemeClr val="accent5">
-                  <a:lumMod val="60000"/>
-                  <a:lumOff val="40000"/>
-                </a:schemeClr>
+                <a:srgbClr val="22628A"/>
               </a:solidFill>
               <a:latin typeface="Bauhaus 93" panose="04030905020B02020C02" pitchFamily="82" charset="0"/>
             </a:endParaRPr>
